--- a/graphs/2c4y_Mutation_Graphs.pptx
+++ b/graphs/2c4y_Mutation_Graphs.pptx
@@ -4,9 +4,12 @@
   <p:sldMasterIdLst>
     <p:sldMasterId id="2147483648" r:id="rId1"/>
   </p:sldMasterIdLst>
+  <p:notesMasterIdLst>
+    <p:notesMasterId r:id="rId9"/>
+  </p:notesMasterIdLst>
   <p:sldIdLst>
     <p:sldId id="256" r:id="rId2"/>
-    <p:sldId id="281" r:id="rId3"/>
+    <p:sldId id="282" r:id="rId3"/>
     <p:sldId id="285" r:id="rId4"/>
     <p:sldId id="283" r:id="rId5"/>
     <p:sldId id="284" r:id="rId6"/>
@@ -118,6 +121,439 @@
 </p:presentation>
 </file>
 
+<file path=ppt/notesMasters/notesMaster1.xml><?xml version="1.0" encoding="utf-8"?>
+<p:notesMaster xmlns:a="http://schemas.openxmlformats.org/drawingml/2006/main" xmlns:r="http://schemas.openxmlformats.org/officeDocument/2006/relationships" xmlns:p="http://schemas.openxmlformats.org/presentationml/2006/main">
+  <p:cSld>
+    <p:bg>
+      <p:bgRef idx="1001">
+        <a:schemeClr val="bg1"/>
+      </p:bgRef>
+    </p:bg>
+    <p:spTree>
+      <p:nvGrpSpPr>
+        <p:cNvPr id="1" name=""/>
+        <p:cNvGrpSpPr/>
+        <p:nvPr/>
+      </p:nvGrpSpPr>
+      <p:grpSpPr>
+        <a:xfrm>
+          <a:off x="0" y="0"/>
+          <a:ext cx="0" cy="0"/>
+          <a:chOff x="0" y="0"/>
+          <a:chExt cx="0" cy="0"/>
+        </a:xfrm>
+      </p:grpSpPr>
+      <p:sp>
+        <p:nvSpPr>
+          <p:cNvPr id="2" name="Header Placeholder 1"/>
+          <p:cNvSpPr>
+            <a:spLocks noGrp="1"/>
+          </p:cNvSpPr>
+          <p:nvPr>
+            <p:ph type="hdr" sz="quarter"/>
+          </p:nvPr>
+        </p:nvSpPr>
+        <p:spPr>
+          <a:xfrm>
+            <a:off x="0" y="0"/>
+            <a:ext cx="2971800" cy="458788"/>
+          </a:xfrm>
+          <a:prstGeom prst="rect">
+            <a:avLst/>
+          </a:prstGeom>
+        </p:spPr>
+        <p:txBody>
+          <a:bodyPr vert="horz" lIns="91440" tIns="45720" rIns="91440" bIns="45720" rtlCol="0"/>
+          <a:lstStyle>
+            <a:lvl1pPr algn="l">
+              <a:defRPr sz="1200"/>
+            </a:lvl1pPr>
+          </a:lstStyle>
+          <a:p>
+            <a:endParaRPr lang="en-US"/>
+          </a:p>
+        </p:txBody>
+      </p:sp>
+      <p:sp>
+        <p:nvSpPr>
+          <p:cNvPr id="3" name="Date Placeholder 2"/>
+          <p:cNvSpPr>
+            <a:spLocks noGrp="1"/>
+          </p:cNvSpPr>
+          <p:nvPr>
+            <p:ph type="dt" idx="1"/>
+          </p:nvPr>
+        </p:nvSpPr>
+        <p:spPr>
+          <a:xfrm>
+            <a:off x="3884613" y="0"/>
+            <a:ext cx="2971800" cy="458788"/>
+          </a:xfrm>
+          <a:prstGeom prst="rect">
+            <a:avLst/>
+          </a:prstGeom>
+        </p:spPr>
+        <p:txBody>
+          <a:bodyPr vert="horz" lIns="91440" tIns="45720" rIns="91440" bIns="45720" rtlCol="0"/>
+          <a:lstStyle>
+            <a:lvl1pPr algn="r">
+              <a:defRPr sz="1200"/>
+            </a:lvl1pPr>
+          </a:lstStyle>
+          <a:p>
+            <a:fld id="{0613A3A2-0460-D444-9799-79291857D520}" type="datetimeFigureOut">
+              <a:rPr lang="en-US" smtClean="0"/>
+              <a:t>7/15/24</a:t>
+            </a:fld>
+            <a:endParaRPr lang="en-US"/>
+          </a:p>
+        </p:txBody>
+      </p:sp>
+      <p:sp>
+        <p:nvSpPr>
+          <p:cNvPr id="4" name="Slide Image Placeholder 3"/>
+          <p:cNvSpPr>
+            <a:spLocks noGrp="1" noRot="1" noChangeAspect="1"/>
+          </p:cNvSpPr>
+          <p:nvPr>
+            <p:ph type="sldImg" idx="2"/>
+          </p:nvPr>
+        </p:nvSpPr>
+        <p:spPr>
+          <a:xfrm>
+            <a:off x="685800" y="1143000"/>
+            <a:ext cx="5486400" cy="3086100"/>
+          </a:xfrm>
+          <a:prstGeom prst="rect">
+            <a:avLst/>
+          </a:prstGeom>
+          <a:noFill/>
+          <a:ln w="12700">
+            <a:solidFill>
+              <a:prstClr val="black"/>
+            </a:solidFill>
+          </a:ln>
+        </p:spPr>
+        <p:txBody>
+          <a:bodyPr vert="horz" lIns="91440" tIns="45720" rIns="91440" bIns="45720" rtlCol="0" anchor="ctr"/>
+          <a:lstStyle/>
+          <a:p>
+            <a:endParaRPr lang="en-US"/>
+          </a:p>
+        </p:txBody>
+      </p:sp>
+      <p:sp>
+        <p:nvSpPr>
+          <p:cNvPr id="5" name="Notes Placeholder 4"/>
+          <p:cNvSpPr>
+            <a:spLocks noGrp="1"/>
+          </p:cNvSpPr>
+          <p:nvPr>
+            <p:ph type="body" sz="quarter" idx="3"/>
+          </p:nvPr>
+        </p:nvSpPr>
+        <p:spPr>
+          <a:xfrm>
+            <a:off x="685800" y="4400550"/>
+            <a:ext cx="5486400" cy="3600450"/>
+          </a:xfrm>
+          <a:prstGeom prst="rect">
+            <a:avLst/>
+          </a:prstGeom>
+        </p:spPr>
+        <p:txBody>
+          <a:bodyPr vert="horz" lIns="91440" tIns="45720" rIns="91440" bIns="45720" rtlCol="0"/>
+          <a:lstStyle/>
+          <a:p>
+            <a:pPr lvl="0"/>
+            <a:r>
+              <a:rPr lang="en-US"/>
+              <a:t>Click to edit Master text styles</a:t>
+            </a:r>
+          </a:p>
+          <a:p>
+            <a:pPr lvl="1"/>
+            <a:r>
+              <a:rPr lang="en-US"/>
+              <a:t>Second level</a:t>
+            </a:r>
+          </a:p>
+          <a:p>
+            <a:pPr lvl="2"/>
+            <a:r>
+              <a:rPr lang="en-US"/>
+              <a:t>Third level</a:t>
+            </a:r>
+          </a:p>
+          <a:p>
+            <a:pPr lvl="3"/>
+            <a:r>
+              <a:rPr lang="en-US"/>
+              <a:t>Fourth level</a:t>
+            </a:r>
+          </a:p>
+          <a:p>
+            <a:pPr lvl="4"/>
+            <a:r>
+              <a:rPr lang="en-US"/>
+              <a:t>Fifth level</a:t>
+            </a:r>
+          </a:p>
+        </p:txBody>
+      </p:sp>
+      <p:sp>
+        <p:nvSpPr>
+          <p:cNvPr id="6" name="Footer Placeholder 5"/>
+          <p:cNvSpPr>
+            <a:spLocks noGrp="1"/>
+          </p:cNvSpPr>
+          <p:nvPr>
+            <p:ph type="ftr" sz="quarter" idx="4"/>
+          </p:nvPr>
+        </p:nvSpPr>
+        <p:spPr>
+          <a:xfrm>
+            <a:off x="0" y="8685213"/>
+            <a:ext cx="2971800" cy="458787"/>
+          </a:xfrm>
+          <a:prstGeom prst="rect">
+            <a:avLst/>
+          </a:prstGeom>
+        </p:spPr>
+        <p:txBody>
+          <a:bodyPr vert="horz" lIns="91440" tIns="45720" rIns="91440" bIns="45720" rtlCol="0" anchor="b"/>
+          <a:lstStyle>
+            <a:lvl1pPr algn="l">
+              <a:defRPr sz="1200"/>
+            </a:lvl1pPr>
+          </a:lstStyle>
+          <a:p>
+            <a:endParaRPr lang="en-US"/>
+          </a:p>
+        </p:txBody>
+      </p:sp>
+      <p:sp>
+        <p:nvSpPr>
+          <p:cNvPr id="7" name="Slide Number Placeholder 6"/>
+          <p:cNvSpPr>
+            <a:spLocks noGrp="1"/>
+          </p:cNvSpPr>
+          <p:nvPr>
+            <p:ph type="sldNum" sz="quarter" idx="5"/>
+          </p:nvPr>
+        </p:nvSpPr>
+        <p:spPr>
+          <a:xfrm>
+            <a:off x="3884613" y="8685213"/>
+            <a:ext cx="2971800" cy="458787"/>
+          </a:xfrm>
+          <a:prstGeom prst="rect">
+            <a:avLst/>
+          </a:prstGeom>
+        </p:spPr>
+        <p:txBody>
+          <a:bodyPr vert="horz" lIns="91440" tIns="45720" rIns="91440" bIns="45720" rtlCol="0" anchor="b"/>
+          <a:lstStyle>
+            <a:lvl1pPr algn="r">
+              <a:defRPr sz="1200"/>
+            </a:lvl1pPr>
+          </a:lstStyle>
+          <a:p>
+            <a:fld id="{759AF907-22C7-9B45-AA28-0E3C1D9DC27A}" type="slidenum">
+              <a:rPr lang="en-US" smtClean="0"/>
+              <a:t>‹#›</a:t>
+            </a:fld>
+            <a:endParaRPr lang="en-US"/>
+          </a:p>
+        </p:txBody>
+      </p:sp>
+    </p:spTree>
+    <p:extLst>
+      <p:ext uri="{BB962C8B-B14F-4D97-AF65-F5344CB8AC3E}">
+        <p14:creationId xmlns:p14="http://schemas.microsoft.com/office/powerpoint/2010/main" val="3469089551"/>
+      </p:ext>
+    </p:extLst>
+  </p:cSld>
+  <p:clrMap bg1="lt1" tx1="dk1" bg2="lt2" tx2="dk2" accent1="accent1" accent2="accent2" accent3="accent3" accent4="accent4" accent5="accent5" accent6="accent6" hlink="hlink" folHlink="folHlink"/>
+  <p:notesStyle>
+    <a:lvl1pPr marL="0" algn="l" defTabSz="914400" rtl="0" eaLnBrk="1" latinLnBrk="0" hangingPunct="1">
+      <a:defRPr sz="1200" kern="1200">
+        <a:solidFill>
+          <a:schemeClr val="tx1"/>
+        </a:solidFill>
+        <a:latin typeface="+mn-lt"/>
+        <a:ea typeface="+mn-ea"/>
+        <a:cs typeface="+mn-cs"/>
+      </a:defRPr>
+    </a:lvl1pPr>
+    <a:lvl2pPr marL="457200" algn="l" defTabSz="914400" rtl="0" eaLnBrk="1" latinLnBrk="0" hangingPunct="1">
+      <a:defRPr sz="1200" kern="1200">
+        <a:solidFill>
+          <a:schemeClr val="tx1"/>
+        </a:solidFill>
+        <a:latin typeface="+mn-lt"/>
+        <a:ea typeface="+mn-ea"/>
+        <a:cs typeface="+mn-cs"/>
+      </a:defRPr>
+    </a:lvl2pPr>
+    <a:lvl3pPr marL="914400" algn="l" defTabSz="914400" rtl="0" eaLnBrk="1" latinLnBrk="0" hangingPunct="1">
+      <a:defRPr sz="1200" kern="1200">
+        <a:solidFill>
+          <a:schemeClr val="tx1"/>
+        </a:solidFill>
+        <a:latin typeface="+mn-lt"/>
+        <a:ea typeface="+mn-ea"/>
+        <a:cs typeface="+mn-cs"/>
+      </a:defRPr>
+    </a:lvl3pPr>
+    <a:lvl4pPr marL="1371600" algn="l" defTabSz="914400" rtl="0" eaLnBrk="1" latinLnBrk="0" hangingPunct="1">
+      <a:defRPr sz="1200" kern="1200">
+        <a:solidFill>
+          <a:schemeClr val="tx1"/>
+        </a:solidFill>
+        <a:latin typeface="+mn-lt"/>
+        <a:ea typeface="+mn-ea"/>
+        <a:cs typeface="+mn-cs"/>
+      </a:defRPr>
+    </a:lvl4pPr>
+    <a:lvl5pPr marL="1828800" algn="l" defTabSz="914400" rtl="0" eaLnBrk="1" latinLnBrk="0" hangingPunct="1">
+      <a:defRPr sz="1200" kern="1200">
+        <a:solidFill>
+          <a:schemeClr val="tx1"/>
+        </a:solidFill>
+        <a:latin typeface="+mn-lt"/>
+        <a:ea typeface="+mn-ea"/>
+        <a:cs typeface="+mn-cs"/>
+      </a:defRPr>
+    </a:lvl5pPr>
+    <a:lvl6pPr marL="2286000" algn="l" defTabSz="914400" rtl="0" eaLnBrk="1" latinLnBrk="0" hangingPunct="1">
+      <a:defRPr sz="1200" kern="1200">
+        <a:solidFill>
+          <a:schemeClr val="tx1"/>
+        </a:solidFill>
+        <a:latin typeface="+mn-lt"/>
+        <a:ea typeface="+mn-ea"/>
+        <a:cs typeface="+mn-cs"/>
+      </a:defRPr>
+    </a:lvl6pPr>
+    <a:lvl7pPr marL="2743200" algn="l" defTabSz="914400" rtl="0" eaLnBrk="1" latinLnBrk="0" hangingPunct="1">
+      <a:defRPr sz="1200" kern="1200">
+        <a:solidFill>
+          <a:schemeClr val="tx1"/>
+        </a:solidFill>
+        <a:latin typeface="+mn-lt"/>
+        <a:ea typeface="+mn-ea"/>
+        <a:cs typeface="+mn-cs"/>
+      </a:defRPr>
+    </a:lvl7pPr>
+    <a:lvl8pPr marL="3200400" algn="l" defTabSz="914400" rtl="0" eaLnBrk="1" latinLnBrk="0" hangingPunct="1">
+      <a:defRPr sz="1200" kern="1200">
+        <a:solidFill>
+          <a:schemeClr val="tx1"/>
+        </a:solidFill>
+        <a:latin typeface="+mn-lt"/>
+        <a:ea typeface="+mn-ea"/>
+        <a:cs typeface="+mn-cs"/>
+      </a:defRPr>
+    </a:lvl8pPr>
+    <a:lvl9pPr marL="3657600" algn="l" defTabSz="914400" rtl="0" eaLnBrk="1" latinLnBrk="0" hangingPunct="1">
+      <a:defRPr sz="1200" kern="1200">
+        <a:solidFill>
+          <a:schemeClr val="tx1"/>
+        </a:solidFill>
+        <a:latin typeface="+mn-lt"/>
+        <a:ea typeface="+mn-ea"/>
+        <a:cs typeface="+mn-cs"/>
+      </a:defRPr>
+    </a:lvl9pPr>
+  </p:notesStyle>
+</p:notesMaster>
+</file>
+
+<file path=ppt/notesSlides/notesSlide1.xml><?xml version="1.0" encoding="utf-8"?>
+<p:notes xmlns:a="http://schemas.openxmlformats.org/drawingml/2006/main" xmlns:r="http://schemas.openxmlformats.org/officeDocument/2006/relationships" xmlns:p="http://schemas.openxmlformats.org/presentationml/2006/main">
+  <p:cSld>
+    <p:spTree>
+      <p:nvGrpSpPr>
+        <p:cNvPr id="1" name=""/>
+        <p:cNvGrpSpPr/>
+        <p:nvPr/>
+      </p:nvGrpSpPr>
+      <p:grpSpPr>
+        <a:xfrm>
+          <a:off x="0" y="0"/>
+          <a:ext cx="0" cy="0"/>
+          <a:chOff x="0" y="0"/>
+          <a:chExt cx="0" cy="0"/>
+        </a:xfrm>
+      </p:grpSpPr>
+      <p:sp>
+        <p:nvSpPr>
+          <p:cNvPr id="2" name="Slide Image Placeholder 1"/>
+          <p:cNvSpPr>
+            <a:spLocks noGrp="1" noRot="1" noChangeAspect="1"/>
+          </p:cNvSpPr>
+          <p:nvPr>
+            <p:ph type="sldImg"/>
+          </p:nvPr>
+        </p:nvSpPr>
+        <p:spPr/>
+      </p:sp>
+      <p:sp>
+        <p:nvSpPr>
+          <p:cNvPr id="3" name="Notes Placeholder 2"/>
+          <p:cNvSpPr>
+            <a:spLocks noGrp="1"/>
+          </p:cNvSpPr>
+          <p:nvPr>
+            <p:ph type="body" idx="1"/>
+          </p:nvPr>
+        </p:nvSpPr>
+        <p:spPr/>
+        <p:txBody>
+          <a:bodyPr/>
+          <a:lstStyle/>
+          <a:p>
+            <a:endParaRPr lang="en-US" dirty="0"/>
+          </a:p>
+        </p:txBody>
+      </p:sp>
+      <p:sp>
+        <p:nvSpPr>
+          <p:cNvPr id="4" name="Slide Number Placeholder 3"/>
+          <p:cNvSpPr>
+            <a:spLocks noGrp="1"/>
+          </p:cNvSpPr>
+          <p:nvPr>
+            <p:ph type="sldNum" sz="quarter" idx="5"/>
+          </p:nvPr>
+        </p:nvSpPr>
+        <p:spPr/>
+        <p:txBody>
+          <a:bodyPr/>
+          <a:lstStyle/>
+          <a:p>
+            <a:fld id="{8E56A5B0-A2AA-0E4F-BF3A-A5C158D54A12}" type="slidenum">
+              <a:rPr lang="en-US" smtClean="0"/>
+              <a:t>2</a:t>
+            </a:fld>
+            <a:endParaRPr lang="en-US"/>
+          </a:p>
+        </p:txBody>
+      </p:sp>
+    </p:spTree>
+    <p:extLst>
+      <p:ext uri="{BB962C8B-B14F-4D97-AF65-F5344CB8AC3E}">
+        <p14:creationId xmlns:p14="http://schemas.microsoft.com/office/powerpoint/2010/main" val="2448066353"/>
+      </p:ext>
+    </p:extLst>
+  </p:cSld>
+  <p:clrMapOvr>
+    <a:masterClrMapping/>
+  </p:clrMapOvr>
+</p:notes>
+</file>
+
 <file path=ppt/slideLayouts/slideLayout1.xml><?xml version="1.0" encoding="utf-8"?>
 <p:sldLayout xmlns:a="http://schemas.openxmlformats.org/drawingml/2006/main" xmlns:r="http://schemas.openxmlformats.org/officeDocument/2006/relationships" xmlns:p="http://schemas.openxmlformats.org/presentationml/2006/main" type="title" preserve="1">
   <p:cSld name="Title Slide">
@@ -265,7 +701,7 @@
           <a:p>
             <a:fld id="{49F24598-E0FC-E241-BAA2-BE1A2687DE9E}" type="datetimeFigureOut">
               <a:rPr lang="en-US" smtClean="0"/>
-              <a:t>7/7/24</a:t>
+              <a:t>7/15/24</a:t>
             </a:fld>
             <a:endParaRPr lang="en-US"/>
           </a:p>
@@ -463,7 +899,7 @@
           <a:p>
             <a:fld id="{49F24598-E0FC-E241-BAA2-BE1A2687DE9E}" type="datetimeFigureOut">
               <a:rPr lang="en-US" smtClean="0"/>
-              <a:t>7/7/24</a:t>
+              <a:t>7/15/24</a:t>
             </a:fld>
             <a:endParaRPr lang="en-US"/>
           </a:p>
@@ -671,7 +1107,7 @@
           <a:p>
             <a:fld id="{49F24598-E0FC-E241-BAA2-BE1A2687DE9E}" type="datetimeFigureOut">
               <a:rPr lang="en-US" smtClean="0"/>
-              <a:t>7/7/24</a:t>
+              <a:t>7/15/24</a:t>
             </a:fld>
             <a:endParaRPr lang="en-US"/>
           </a:p>
@@ -869,7 +1305,7 @@
           <a:p>
             <a:fld id="{49F24598-E0FC-E241-BAA2-BE1A2687DE9E}" type="datetimeFigureOut">
               <a:rPr lang="en-US" smtClean="0"/>
-              <a:t>7/7/24</a:t>
+              <a:t>7/15/24</a:t>
             </a:fld>
             <a:endParaRPr lang="en-US"/>
           </a:p>
@@ -1144,7 +1580,7 @@
           <a:p>
             <a:fld id="{49F24598-E0FC-E241-BAA2-BE1A2687DE9E}" type="datetimeFigureOut">
               <a:rPr lang="en-US" smtClean="0"/>
-              <a:t>7/7/24</a:t>
+              <a:t>7/15/24</a:t>
             </a:fld>
             <a:endParaRPr lang="en-US"/>
           </a:p>
@@ -1409,7 +1845,7 @@
           <a:p>
             <a:fld id="{49F24598-E0FC-E241-BAA2-BE1A2687DE9E}" type="datetimeFigureOut">
               <a:rPr lang="en-US" smtClean="0"/>
-              <a:t>7/7/24</a:t>
+              <a:t>7/15/24</a:t>
             </a:fld>
             <a:endParaRPr lang="en-US"/>
           </a:p>
@@ -1821,7 +2257,7 @@
           <a:p>
             <a:fld id="{49F24598-E0FC-E241-BAA2-BE1A2687DE9E}" type="datetimeFigureOut">
               <a:rPr lang="en-US" smtClean="0"/>
-              <a:t>7/7/24</a:t>
+              <a:t>7/15/24</a:t>
             </a:fld>
             <a:endParaRPr lang="en-US"/>
           </a:p>
@@ -1962,7 +2398,7 @@
           <a:p>
             <a:fld id="{49F24598-E0FC-E241-BAA2-BE1A2687DE9E}" type="datetimeFigureOut">
               <a:rPr lang="en-US" smtClean="0"/>
-              <a:t>7/7/24</a:t>
+              <a:t>7/15/24</a:t>
             </a:fld>
             <a:endParaRPr lang="en-US"/>
           </a:p>
@@ -2075,7 +2511,7 @@
           <a:p>
             <a:fld id="{49F24598-E0FC-E241-BAA2-BE1A2687DE9E}" type="datetimeFigureOut">
               <a:rPr lang="en-US" smtClean="0"/>
-              <a:t>7/7/24</a:t>
+              <a:t>7/15/24</a:t>
             </a:fld>
             <a:endParaRPr lang="en-US"/>
           </a:p>
@@ -2386,7 +2822,7 @@
           <a:p>
             <a:fld id="{49F24598-E0FC-E241-BAA2-BE1A2687DE9E}" type="datetimeFigureOut">
               <a:rPr lang="en-US" smtClean="0"/>
-              <a:t>7/7/24</a:t>
+              <a:t>7/15/24</a:t>
             </a:fld>
             <a:endParaRPr lang="en-US"/>
           </a:p>
@@ -2674,7 +3110,7 @@
           <a:p>
             <a:fld id="{49F24598-E0FC-E241-BAA2-BE1A2687DE9E}" type="datetimeFigureOut">
               <a:rPr lang="en-US" smtClean="0"/>
-              <a:t>7/7/24</a:t>
+              <a:t>7/15/24</a:t>
             </a:fld>
             <a:endParaRPr lang="en-US"/>
           </a:p>
@@ -2915,7 +3351,7 @@
           <a:p>
             <a:fld id="{49F24598-E0FC-E241-BAA2-BE1A2687DE9E}" type="datetimeFigureOut">
               <a:rPr lang="en-US" smtClean="0"/>
-              <a:t>7/7/24</a:t>
+              <a:t>7/15/24</a:t>
             </a:fld>
             <a:endParaRPr lang="en-US"/>
           </a:p>
@@ -3432,7 +3868,7 @@
         </p:nvSpPr>
         <p:spPr>
           <a:xfrm>
-            <a:off x="741872" y="2251494"/>
+            <a:off x="644993" y="2039385"/>
             <a:ext cx="2539221" cy="369332"/>
           </a:xfrm>
           <a:prstGeom prst="rect">
@@ -3467,7 +3903,7 @@
         </p:nvSpPr>
         <p:spPr>
           <a:xfrm>
-            <a:off x="4548116" y="2251494"/>
+            <a:off x="5067675" y="2040964"/>
             <a:ext cx="1342547" cy="369332"/>
           </a:xfrm>
           <a:prstGeom prst="rect">
@@ -3502,7 +3938,7 @@
         </p:nvSpPr>
         <p:spPr>
           <a:xfrm>
-            <a:off x="8582403" y="2251494"/>
+            <a:off x="9249974" y="2039385"/>
             <a:ext cx="1288494" cy="369332"/>
           </a:xfrm>
           <a:prstGeom prst="rect">
@@ -3523,10 +3959,151 @@
           </a:p>
         </p:txBody>
       </p:sp>
+      <p:pic>
+        <p:nvPicPr>
+          <p:cNvPr id="1026" name="Picture 2">
+            <a:extLst>
+              <a:ext uri="{FF2B5EF4-FFF2-40B4-BE49-F238E27FC236}">
+                <a16:creationId xmlns:a16="http://schemas.microsoft.com/office/drawing/2014/main" id="{82244686-DD0D-1D19-64D6-2515C8F873E6}"/>
+              </a:ext>
+            </a:extLst>
+          </p:cNvPr>
+          <p:cNvPicPr>
+            <a:picLocks noChangeAspect="1" noChangeArrowheads="1"/>
+          </p:cNvPicPr>
+          <p:nvPr/>
+        </p:nvPicPr>
+        <p:blipFill>
+          <a:blip r:embed="rId3">
+            <a:extLst>
+              <a:ext uri="{28A0092B-C50C-407E-A947-70E740481C1C}">
+                <a14:useLocalDpi xmlns:a14="http://schemas.microsoft.com/office/drawing/2010/main" val="0"/>
+              </a:ext>
+            </a:extLst>
+          </a:blip>
+          <a:srcRect/>
+          <a:stretch>
+            <a:fillRect/>
+          </a:stretch>
+        </p:blipFill>
+        <p:spPr bwMode="auto">
+          <a:xfrm>
+            <a:off x="133409" y="2495841"/>
+            <a:ext cx="3938596" cy="3265198"/>
+          </a:xfrm>
+          <a:prstGeom prst="rect">
+            <a:avLst/>
+          </a:prstGeom>
+          <a:noFill/>
+          <a:extLst>
+            <a:ext uri="{909E8E84-426E-40DD-AFC4-6F175D3DCCD1}">
+              <a14:hiddenFill xmlns:a14="http://schemas.microsoft.com/office/drawing/2010/main">
+                <a:solidFill>
+                  <a:srgbClr val="FFFFFF"/>
+                </a:solidFill>
+              </a14:hiddenFill>
+            </a:ext>
+          </a:extLst>
+        </p:spPr>
+      </p:pic>
+      <p:pic>
+        <p:nvPicPr>
+          <p:cNvPr id="1028" name="Picture 4">
+            <a:extLst>
+              <a:ext uri="{FF2B5EF4-FFF2-40B4-BE49-F238E27FC236}">
+                <a16:creationId xmlns:a16="http://schemas.microsoft.com/office/drawing/2014/main" id="{004D53E1-2AE7-78F5-396B-9EDC3B707978}"/>
+              </a:ext>
+            </a:extLst>
+          </p:cNvPr>
+          <p:cNvPicPr>
+            <a:picLocks noChangeAspect="1" noChangeArrowheads="1"/>
+          </p:cNvPicPr>
+          <p:nvPr/>
+        </p:nvPicPr>
+        <p:blipFill>
+          <a:blip r:embed="rId4">
+            <a:extLst>
+              <a:ext uri="{28A0092B-C50C-407E-A947-70E740481C1C}">
+                <a14:useLocalDpi xmlns:a14="http://schemas.microsoft.com/office/drawing/2010/main" val="0"/>
+              </a:ext>
+            </a:extLst>
+          </a:blip>
+          <a:srcRect/>
+          <a:stretch>
+            <a:fillRect/>
+          </a:stretch>
+        </p:blipFill>
+        <p:spPr bwMode="auto">
+          <a:xfrm>
+            <a:off x="4072005" y="2495841"/>
+            <a:ext cx="3938596" cy="3265198"/>
+          </a:xfrm>
+          <a:prstGeom prst="rect">
+            <a:avLst/>
+          </a:prstGeom>
+          <a:noFill/>
+          <a:extLst>
+            <a:ext uri="{909E8E84-426E-40DD-AFC4-6F175D3DCCD1}">
+              <a14:hiddenFill xmlns:a14="http://schemas.microsoft.com/office/drawing/2010/main">
+                <a:solidFill>
+                  <a:srgbClr val="FFFFFF"/>
+                </a:solidFill>
+              </a14:hiddenFill>
+            </a:ext>
+          </a:extLst>
+        </p:spPr>
+      </p:pic>
+      <p:pic>
+        <p:nvPicPr>
+          <p:cNvPr id="1030" name="Picture 6">
+            <a:extLst>
+              <a:ext uri="{FF2B5EF4-FFF2-40B4-BE49-F238E27FC236}">
+                <a16:creationId xmlns:a16="http://schemas.microsoft.com/office/drawing/2014/main" id="{DAFB51BE-F525-C7E6-3923-19DBB513C348}"/>
+              </a:ext>
+            </a:extLst>
+          </p:cNvPr>
+          <p:cNvPicPr>
+            <a:picLocks noChangeAspect="1" noChangeArrowheads="1"/>
+          </p:cNvPicPr>
+          <p:nvPr/>
+        </p:nvPicPr>
+        <p:blipFill>
+          <a:blip r:embed="rId5">
+            <a:extLst>
+              <a:ext uri="{28A0092B-C50C-407E-A947-70E740481C1C}">
+                <a14:useLocalDpi xmlns:a14="http://schemas.microsoft.com/office/drawing/2010/main" val="0"/>
+              </a:ext>
+            </a:extLst>
+          </a:blip>
+          <a:srcRect/>
+          <a:stretch>
+            <a:fillRect/>
+          </a:stretch>
+        </p:blipFill>
+        <p:spPr bwMode="auto">
+          <a:xfrm>
+            <a:off x="8131484" y="2495841"/>
+            <a:ext cx="3938596" cy="3265198"/>
+          </a:xfrm>
+          <a:prstGeom prst="rect">
+            <a:avLst/>
+          </a:prstGeom>
+          <a:noFill/>
+          <a:extLst>
+            <a:ext uri="{909E8E84-426E-40DD-AFC4-6F175D3DCCD1}">
+              <a14:hiddenFill xmlns:a14="http://schemas.microsoft.com/office/drawing/2010/main">
+                <a:solidFill>
+                  <a:srgbClr val="FFFFFF"/>
+                </a:solidFill>
+              </a14:hiddenFill>
+            </a:ext>
+          </a:extLst>
+        </p:spPr>
+      </p:pic>
     </p:spTree>
     <p:extLst>
       <p:ext uri="{BB962C8B-B14F-4D97-AF65-F5344CB8AC3E}">
-        <p14:creationId xmlns:p14="http://schemas.microsoft.com/office/powerpoint/2010/main" val="1584959620"/>
+        <p14:creationId xmlns:p14="http://schemas.microsoft.com/office/powerpoint/2010/main" val="2662783371"/>
       </p:ext>
     </p:extLst>
   </p:cSld>
@@ -3611,29 +4188,29 @@
           <a:p>
             <a:r>
               <a:rPr lang="en-US" dirty="0"/>
-              <a:t>Pearson rank correlation coefficient: 0.200 </a:t>
+              <a:t>Pearson rank correlation coefficient: 0.209 </a:t>
             </a:r>
           </a:p>
           <a:p>
             <a:r>
               <a:rPr lang="en-US" dirty="0"/>
-              <a:t>Spearman rank correlation coefficient: 0.099 </a:t>
+              <a:t>Spearman rank correlation coefficient: 0.254 </a:t>
             </a:r>
           </a:p>
           <a:p>
             <a:r>
               <a:rPr lang="en-US" dirty="0"/>
-              <a:t>Coefficient of Determination (R^2): 0.040</a:t>
+              <a:t>Coefficient of Determination (R^2): 0.044</a:t>
             </a:r>
           </a:p>
         </p:txBody>
       </p:sp>
       <p:pic>
         <p:nvPicPr>
-          <p:cNvPr id="1026" name="Picture 2">
-            <a:extLst>
-              <a:ext uri="{FF2B5EF4-FFF2-40B4-BE49-F238E27FC236}">
-                <a16:creationId xmlns:a16="http://schemas.microsoft.com/office/drawing/2014/main" id="{B4BB1C39-6BBB-B5E3-4634-AB0A7C44F557}"/>
+          <p:cNvPr id="3" name="Picture 2">
+            <a:extLst>
+              <a:ext uri="{FF2B5EF4-FFF2-40B4-BE49-F238E27FC236}">
+                <a16:creationId xmlns:a16="http://schemas.microsoft.com/office/drawing/2014/main" id="{6E53EB53-C27A-D560-D19B-4DA6860FAACE}"/>
               </a:ext>
             </a:extLst>
           </p:cNvPr>
@@ -3657,8 +4234,8 @@
         </p:blipFill>
         <p:spPr bwMode="auto">
           <a:xfrm>
-            <a:off x="119263" y="3168608"/>
-            <a:ext cx="3898697" cy="2771964"/>
+            <a:off x="155231" y="3185706"/>
+            <a:ext cx="3836039" cy="2727414"/>
           </a:xfrm>
           <a:prstGeom prst="rect">
             <a:avLst/>
@@ -3677,10 +4254,10 @@
       </p:pic>
       <p:pic>
         <p:nvPicPr>
-          <p:cNvPr id="1028" name="Picture 4">
-            <a:extLst>
-              <a:ext uri="{FF2B5EF4-FFF2-40B4-BE49-F238E27FC236}">
-                <a16:creationId xmlns:a16="http://schemas.microsoft.com/office/drawing/2014/main" id="{4D862A64-992A-EF83-C33C-3186969BD077}"/>
+          <p:cNvPr id="5" name="Picture 4">
+            <a:extLst>
+              <a:ext uri="{FF2B5EF4-FFF2-40B4-BE49-F238E27FC236}">
+                <a16:creationId xmlns:a16="http://schemas.microsoft.com/office/drawing/2014/main" id="{BAA38C8A-CB52-FEC5-66BC-F3762396350B}"/>
               </a:ext>
             </a:extLst>
           </p:cNvPr>
@@ -3704,8 +4281,8 @@
         </p:blipFill>
         <p:spPr bwMode="auto">
           <a:xfrm>
-            <a:off x="4146651" y="3168608"/>
-            <a:ext cx="3898697" cy="2771964"/>
+            <a:off x="4177980" y="3185706"/>
+            <a:ext cx="3836039" cy="2727414"/>
           </a:xfrm>
           <a:prstGeom prst="rect">
             <a:avLst/>
@@ -3724,10 +4301,10 @@
       </p:pic>
       <p:pic>
         <p:nvPicPr>
-          <p:cNvPr id="1030" name="Picture 6">
-            <a:extLst>
-              <a:ext uri="{FF2B5EF4-FFF2-40B4-BE49-F238E27FC236}">
-                <a16:creationId xmlns:a16="http://schemas.microsoft.com/office/drawing/2014/main" id="{5A7BEA25-6317-92E7-6137-EAA057FD11FD}"/>
+          <p:cNvPr id="6" name="Picture 6">
+            <a:extLst>
+              <a:ext uri="{FF2B5EF4-FFF2-40B4-BE49-F238E27FC236}">
+                <a16:creationId xmlns:a16="http://schemas.microsoft.com/office/drawing/2014/main" id="{0A43DB40-E6EF-F6CB-6209-E9CFDF1921BA}"/>
               </a:ext>
             </a:extLst>
           </p:cNvPr>
@@ -3751,8 +4328,8 @@
         </p:blipFill>
         <p:spPr bwMode="auto">
           <a:xfrm>
-            <a:off x="8174040" y="3168608"/>
-            <a:ext cx="3898697" cy="2771964"/>
+            <a:off x="8044740" y="3185706"/>
+            <a:ext cx="3836039" cy="2727414"/>
           </a:xfrm>
           <a:prstGeom prst="rect">
             <a:avLst/>
@@ -3857,29 +4434,29 @@
           <a:p>
             <a:r>
               <a:rPr lang="en-US" dirty="0"/>
-              <a:t>Pearson rank correlation coefficient: 0.238 </a:t>
+              <a:t>Pearson rank correlation coefficient: 0.215 </a:t>
             </a:r>
           </a:p>
           <a:p>
             <a:r>
               <a:rPr lang="en-US" dirty="0"/>
-              <a:t>Spearman rank correlation coefficient: 0.209 </a:t>
+              <a:t>Spearman rank correlation coefficient: 0.278 </a:t>
             </a:r>
           </a:p>
           <a:p>
             <a:r>
               <a:rPr lang="en-US" dirty="0"/>
-              <a:t>Coefficient of Determination (R^2): 0.056</a:t>
+              <a:t>Coefficient of Determination (R^2): 0.046</a:t>
             </a:r>
           </a:p>
         </p:txBody>
       </p:sp>
       <p:pic>
         <p:nvPicPr>
-          <p:cNvPr id="2050" name="Picture 2">
-            <a:extLst>
-              <a:ext uri="{FF2B5EF4-FFF2-40B4-BE49-F238E27FC236}">
-                <a16:creationId xmlns:a16="http://schemas.microsoft.com/office/drawing/2014/main" id="{4B07B0C9-6A34-512A-F1B4-31FD83CECE9F}"/>
+          <p:cNvPr id="3" name="Picture 2">
+            <a:extLst>
+              <a:ext uri="{FF2B5EF4-FFF2-40B4-BE49-F238E27FC236}">
+                <a16:creationId xmlns:a16="http://schemas.microsoft.com/office/drawing/2014/main" id="{CAFC7721-01EA-7845-5C37-284FBE2E2EE4}"/>
               </a:ext>
             </a:extLst>
           </p:cNvPr>
@@ -3903,8 +4480,8 @@
         </p:blipFill>
         <p:spPr bwMode="auto">
           <a:xfrm>
-            <a:off x="91863" y="3203428"/>
-            <a:ext cx="3866464" cy="2749046"/>
+            <a:off x="72831" y="3192877"/>
+            <a:ext cx="4015446" cy="2790735"/>
           </a:xfrm>
           <a:prstGeom prst="rect">
             <a:avLst/>
@@ -3923,10 +4500,10 @@
       </p:pic>
       <p:pic>
         <p:nvPicPr>
-          <p:cNvPr id="2052" name="Picture 4">
-            <a:extLst>
-              <a:ext uri="{FF2B5EF4-FFF2-40B4-BE49-F238E27FC236}">
-                <a16:creationId xmlns:a16="http://schemas.microsoft.com/office/drawing/2014/main" id="{4BDEA9DD-1928-FB09-DB4D-FFBBFB92CF15}"/>
+          <p:cNvPr id="5" name="Picture 4">
+            <a:extLst>
+              <a:ext uri="{FF2B5EF4-FFF2-40B4-BE49-F238E27FC236}">
+                <a16:creationId xmlns:a16="http://schemas.microsoft.com/office/drawing/2014/main" id="{A0811A83-670D-4076-039D-4AC3F2CC6A6A}"/>
               </a:ext>
             </a:extLst>
           </p:cNvPr>
@@ -3950,8 +4527,8 @@
         </p:blipFill>
         <p:spPr bwMode="auto">
           <a:xfrm>
-            <a:off x="4162768" y="3203428"/>
-            <a:ext cx="3866464" cy="2749046"/>
+            <a:off x="4088277" y="3192876"/>
+            <a:ext cx="4015446" cy="2790735"/>
           </a:xfrm>
           <a:prstGeom prst="rect">
             <a:avLst/>
@@ -3970,10 +4547,10 @@
       </p:pic>
       <p:pic>
         <p:nvPicPr>
-          <p:cNvPr id="2054" name="Picture 6">
-            <a:extLst>
-              <a:ext uri="{FF2B5EF4-FFF2-40B4-BE49-F238E27FC236}">
-                <a16:creationId xmlns:a16="http://schemas.microsoft.com/office/drawing/2014/main" id="{E92FCE9F-F4E4-480C-5173-1E47E9826DC0}"/>
+          <p:cNvPr id="6" name="Picture 6">
+            <a:extLst>
+              <a:ext uri="{FF2B5EF4-FFF2-40B4-BE49-F238E27FC236}">
+                <a16:creationId xmlns:a16="http://schemas.microsoft.com/office/drawing/2014/main" id="{DC78FB8A-AC04-952E-C8CA-5F4A13C5E5B8}"/>
               </a:ext>
             </a:extLst>
           </p:cNvPr>
@@ -3997,8 +4574,8 @@
         </p:blipFill>
         <p:spPr bwMode="auto">
           <a:xfrm>
-            <a:off x="8082205" y="3203428"/>
-            <a:ext cx="3866464" cy="2749046"/>
+            <a:off x="8103723" y="3192876"/>
+            <a:ext cx="4015446" cy="2790735"/>
           </a:xfrm>
           <a:prstGeom prst="rect">
             <a:avLst/>
@@ -4103,29 +4680,29 @@
           <a:p>
             <a:r>
               <a:rPr lang="en-US" dirty="0"/>
-              <a:t>Pearson rank correlation coefficient: -0.002 </a:t>
+              <a:t>Pearson rank correlation coefficient: 0.130 </a:t>
             </a:r>
           </a:p>
           <a:p>
             <a:r>
               <a:rPr lang="en-US" dirty="0"/>
-              <a:t>Spearman rank correlation coefficient: -0.050 </a:t>
+              <a:t>Spearman rank correlation coefficient: 0.319 </a:t>
             </a:r>
           </a:p>
           <a:p>
             <a:r>
               <a:rPr lang="en-US" dirty="0"/>
-              <a:t>Coefficient of Determination (R^2): 0.000</a:t>
+              <a:t>Coefficient of Determination (R^2): 0.017</a:t>
             </a:r>
           </a:p>
         </p:txBody>
       </p:sp>
       <p:pic>
         <p:nvPicPr>
-          <p:cNvPr id="3" name="Picture 2">
-            <a:extLst>
-              <a:ext uri="{FF2B5EF4-FFF2-40B4-BE49-F238E27FC236}">
-                <a16:creationId xmlns:a16="http://schemas.microsoft.com/office/drawing/2014/main" id="{21B09FA9-8599-741F-7A0B-869688D9E13E}"/>
+          <p:cNvPr id="3074" name="Picture 2">
+            <a:extLst>
+              <a:ext uri="{FF2B5EF4-FFF2-40B4-BE49-F238E27FC236}">
+                <a16:creationId xmlns:a16="http://schemas.microsoft.com/office/drawing/2014/main" id="{A6308613-B43F-640C-EF3A-130D200A1FFE}"/>
               </a:ext>
             </a:extLst>
           </p:cNvPr>
@@ -4149,8 +4726,8 @@
         </p:blipFill>
         <p:spPr bwMode="auto">
           <a:xfrm>
-            <a:off x="197774" y="3428999"/>
-            <a:ext cx="3859987" cy="2744441"/>
+            <a:off x="148014" y="3202980"/>
+            <a:ext cx="3965324" cy="2755900"/>
           </a:xfrm>
           <a:prstGeom prst="rect">
             <a:avLst/>
@@ -4169,10 +4746,10 @@
       </p:pic>
       <p:pic>
         <p:nvPicPr>
-          <p:cNvPr id="5" name="Picture 4">
-            <a:extLst>
-              <a:ext uri="{FF2B5EF4-FFF2-40B4-BE49-F238E27FC236}">
-                <a16:creationId xmlns:a16="http://schemas.microsoft.com/office/drawing/2014/main" id="{386D49AB-EF31-B732-5A79-531BDFAAA7D0}"/>
+          <p:cNvPr id="3076" name="Picture 4">
+            <a:extLst>
+              <a:ext uri="{FF2B5EF4-FFF2-40B4-BE49-F238E27FC236}">
+                <a16:creationId xmlns:a16="http://schemas.microsoft.com/office/drawing/2014/main" id="{F60F518B-9EB4-816D-942F-3BF7DF3585C8}"/>
               </a:ext>
             </a:extLst>
           </p:cNvPr>
@@ -4196,8 +4773,8 @@
         </p:blipFill>
         <p:spPr bwMode="auto">
           <a:xfrm>
-            <a:off x="4166006" y="3429000"/>
-            <a:ext cx="3859987" cy="2744441"/>
+            <a:off x="4113338" y="3202980"/>
+            <a:ext cx="3965324" cy="2755900"/>
           </a:xfrm>
           <a:prstGeom prst="rect">
             <a:avLst/>
@@ -4216,10 +4793,10 @@
       </p:pic>
       <p:pic>
         <p:nvPicPr>
-          <p:cNvPr id="6" name="Picture 6">
-            <a:extLst>
-              <a:ext uri="{FF2B5EF4-FFF2-40B4-BE49-F238E27FC236}">
-                <a16:creationId xmlns:a16="http://schemas.microsoft.com/office/drawing/2014/main" id="{9080C5DD-E1CE-02E7-729E-8D30D1C05F27}"/>
+          <p:cNvPr id="3078" name="Picture 6">
+            <a:extLst>
+              <a:ext uri="{FF2B5EF4-FFF2-40B4-BE49-F238E27FC236}">
+                <a16:creationId xmlns:a16="http://schemas.microsoft.com/office/drawing/2014/main" id="{72D8FFC2-C898-38F2-EF81-2D6B6099808E}"/>
               </a:ext>
             </a:extLst>
           </p:cNvPr>
@@ -4243,8 +4820,8 @@
         </p:blipFill>
         <p:spPr bwMode="auto">
           <a:xfrm>
-            <a:off x="8134240" y="3428998"/>
-            <a:ext cx="3859986" cy="2744441"/>
+            <a:off x="8078662" y="3202980"/>
+            <a:ext cx="3965324" cy="2755900"/>
           </a:xfrm>
           <a:prstGeom prst="rect">
             <a:avLst/>
@@ -4349,29 +4926,29 @@
           <a:p>
             <a:r>
               <a:rPr lang="en-US" dirty="0"/>
-              <a:t>Pearson rank correlation coefficient: -0.171 </a:t>
+              <a:t>Pearson rank correlation coefficient: -0.232 </a:t>
             </a:r>
           </a:p>
           <a:p>
             <a:r>
               <a:rPr lang="en-US" dirty="0"/>
-              <a:t>Spearman rank correlation coefficient: -0.141 </a:t>
+              <a:t>Spearman rank correlation coefficient: -0.438 </a:t>
             </a:r>
           </a:p>
           <a:p>
             <a:r>
               <a:rPr lang="en-US" dirty="0"/>
-              <a:t>Coefficient of Determination (R^2): 0.029</a:t>
+              <a:t>Coefficient of Determination (R^2): 0.054</a:t>
             </a:r>
           </a:p>
         </p:txBody>
       </p:sp>
       <p:pic>
         <p:nvPicPr>
-          <p:cNvPr id="4098" name="Picture 2">
-            <a:extLst>
-              <a:ext uri="{FF2B5EF4-FFF2-40B4-BE49-F238E27FC236}">
-                <a16:creationId xmlns:a16="http://schemas.microsoft.com/office/drawing/2014/main" id="{B4751458-7A2C-269A-593D-1EC61BEEB43F}"/>
+          <p:cNvPr id="3" name="Picture 2">
+            <a:extLst>
+              <a:ext uri="{FF2B5EF4-FFF2-40B4-BE49-F238E27FC236}">
+                <a16:creationId xmlns:a16="http://schemas.microsoft.com/office/drawing/2014/main" id="{A594F553-9BA3-A4BC-871D-344D3E74738D}"/>
               </a:ext>
             </a:extLst>
           </p:cNvPr>
@@ -4395,8 +4972,8 @@
         </p:blipFill>
         <p:spPr bwMode="auto">
           <a:xfrm>
-            <a:off x="96631" y="3239759"/>
-            <a:ext cx="3999579" cy="2829219"/>
+            <a:off x="117022" y="3236316"/>
+            <a:ext cx="4020452" cy="2843984"/>
           </a:xfrm>
           <a:prstGeom prst="rect">
             <a:avLst/>
@@ -4415,10 +4992,10 @@
       </p:pic>
       <p:pic>
         <p:nvPicPr>
-          <p:cNvPr id="4100" name="Picture 4">
-            <a:extLst>
-              <a:ext uri="{FF2B5EF4-FFF2-40B4-BE49-F238E27FC236}">
-                <a16:creationId xmlns:a16="http://schemas.microsoft.com/office/drawing/2014/main" id="{28CF4B73-FDDA-357B-765A-6A90DD261AFA}"/>
+          <p:cNvPr id="5" name="Picture 4">
+            <a:extLst>
+              <a:ext uri="{FF2B5EF4-FFF2-40B4-BE49-F238E27FC236}">
+                <a16:creationId xmlns:a16="http://schemas.microsoft.com/office/drawing/2014/main" id="{1921D1DA-527C-D8DA-2935-4175BD4BAE48}"/>
               </a:ext>
             </a:extLst>
           </p:cNvPr>
@@ -4442,8 +5019,8 @@
         </p:blipFill>
         <p:spPr bwMode="auto">
           <a:xfrm>
-            <a:off x="4096210" y="3239761"/>
-            <a:ext cx="3999579" cy="2829219"/>
+            <a:off x="4085774" y="3236316"/>
+            <a:ext cx="4020452" cy="2843984"/>
           </a:xfrm>
           <a:prstGeom prst="rect">
             <a:avLst/>
@@ -4462,10 +5039,10 @@
       </p:pic>
       <p:pic>
         <p:nvPicPr>
-          <p:cNvPr id="4102" name="Picture 6">
-            <a:extLst>
-              <a:ext uri="{FF2B5EF4-FFF2-40B4-BE49-F238E27FC236}">
-                <a16:creationId xmlns:a16="http://schemas.microsoft.com/office/drawing/2014/main" id="{FE3738C8-E0A1-2102-E6C0-C4983D0CCC07}"/>
+          <p:cNvPr id="6" name="Picture 6">
+            <a:extLst>
+              <a:ext uri="{FF2B5EF4-FFF2-40B4-BE49-F238E27FC236}">
+                <a16:creationId xmlns:a16="http://schemas.microsoft.com/office/drawing/2014/main" id="{2E98E8AA-9601-5132-2B39-460C5A0BFC4F}"/>
               </a:ext>
             </a:extLst>
           </p:cNvPr>
@@ -4489,8 +5066,8 @@
         </p:blipFill>
         <p:spPr bwMode="auto">
           <a:xfrm>
-            <a:off x="8095789" y="3239760"/>
-            <a:ext cx="3999579" cy="2829219"/>
+            <a:off x="8106226" y="3236316"/>
+            <a:ext cx="4020452" cy="2843984"/>
           </a:xfrm>
           <a:prstGeom prst="rect">
             <a:avLst/>
@@ -4595,29 +5172,29 @@
           <a:p>
             <a:r>
               <a:rPr lang="en-US" dirty="0"/>
-              <a:t>Pearson rank correlation coefficient: -0.361 </a:t>
+              <a:t>Pearson rank correlation coefficient: -0.285 </a:t>
             </a:r>
           </a:p>
           <a:p>
             <a:r>
               <a:rPr lang="en-US" dirty="0"/>
-              <a:t>Spearman rank correlation coefficient: -0.243 </a:t>
+              <a:t>Spearman rank correlation coefficient: -0.083 </a:t>
             </a:r>
           </a:p>
           <a:p>
             <a:r>
               <a:rPr lang="en-US" dirty="0"/>
-              <a:t>Coefficient of Determination (R^2): 0.131</a:t>
+              <a:t>Coefficient of Determination (R^2): 0.081</a:t>
             </a:r>
           </a:p>
         </p:txBody>
       </p:sp>
       <p:pic>
         <p:nvPicPr>
-          <p:cNvPr id="5122" name="Picture 2">
-            <a:extLst>
-              <a:ext uri="{FF2B5EF4-FFF2-40B4-BE49-F238E27FC236}">
-                <a16:creationId xmlns:a16="http://schemas.microsoft.com/office/drawing/2014/main" id="{58CA5718-92A9-BBCE-7CAC-74CE0B7B115E}"/>
+          <p:cNvPr id="3" name="Picture 2">
+            <a:extLst>
+              <a:ext uri="{FF2B5EF4-FFF2-40B4-BE49-F238E27FC236}">
+                <a16:creationId xmlns:a16="http://schemas.microsoft.com/office/drawing/2014/main" id="{A7A29C7E-9AD1-7FE5-909D-42E21F8D0F0C}"/>
               </a:ext>
             </a:extLst>
           </p:cNvPr>
@@ -4641,8 +5218,8 @@
         </p:blipFill>
         <p:spPr bwMode="auto">
           <a:xfrm>
-            <a:off x="345419" y="3449643"/>
-            <a:ext cx="3754241" cy="2655672"/>
+            <a:off x="40548" y="3022219"/>
+            <a:ext cx="4036968" cy="2855667"/>
           </a:xfrm>
           <a:prstGeom prst="rect">
             <a:avLst/>
@@ -4661,10 +5238,10 @@
       </p:pic>
       <p:pic>
         <p:nvPicPr>
-          <p:cNvPr id="5124" name="Picture 4">
-            <a:extLst>
-              <a:ext uri="{FF2B5EF4-FFF2-40B4-BE49-F238E27FC236}">
-                <a16:creationId xmlns:a16="http://schemas.microsoft.com/office/drawing/2014/main" id="{A7066C76-35C6-5DE3-E8AF-B89AE6F8EDC6}"/>
+          <p:cNvPr id="5" name="Picture 4">
+            <a:extLst>
+              <a:ext uri="{FF2B5EF4-FFF2-40B4-BE49-F238E27FC236}">
+                <a16:creationId xmlns:a16="http://schemas.microsoft.com/office/drawing/2014/main" id="{9A320C05-1A51-E1F1-457B-D1E6D1466E9C}"/>
               </a:ext>
             </a:extLst>
           </p:cNvPr>
@@ -4688,8 +5265,8 @@
         </p:blipFill>
         <p:spPr bwMode="auto">
           <a:xfrm>
-            <a:off x="4314506" y="3449643"/>
-            <a:ext cx="3754241" cy="2655672"/>
+            <a:off x="4077516" y="3022219"/>
+            <a:ext cx="4036968" cy="2855667"/>
           </a:xfrm>
           <a:prstGeom prst="rect">
             <a:avLst/>
@@ -4708,10 +5285,10 @@
       </p:pic>
       <p:pic>
         <p:nvPicPr>
-          <p:cNvPr id="5126" name="Picture 6">
-            <a:extLst>
-              <a:ext uri="{FF2B5EF4-FFF2-40B4-BE49-F238E27FC236}">
-                <a16:creationId xmlns:a16="http://schemas.microsoft.com/office/drawing/2014/main" id="{DB930AF4-6706-DB10-0D61-FE8EC3CE2219}"/>
+          <p:cNvPr id="6" name="Picture 6">
+            <a:extLst>
+              <a:ext uri="{FF2B5EF4-FFF2-40B4-BE49-F238E27FC236}">
+                <a16:creationId xmlns:a16="http://schemas.microsoft.com/office/drawing/2014/main" id="{918743E0-496B-4007-AA22-609A64046392}"/>
               </a:ext>
             </a:extLst>
           </p:cNvPr>
@@ -4735,8 +5312,8 @@
         </p:blipFill>
         <p:spPr bwMode="auto">
           <a:xfrm>
-            <a:off x="8283593" y="3449643"/>
-            <a:ext cx="3754241" cy="2655672"/>
+            <a:off x="8114484" y="3022218"/>
+            <a:ext cx="4036968" cy="2855667"/>
           </a:xfrm>
           <a:prstGeom prst="rect">
             <a:avLst/>
@@ -5079,4 +5656,319 @@
     </a:ext>
   </a:extLst>
 </a:theme>
+</file>
+
+<file path=ppt/theme/theme2.xml><?xml version="1.0" encoding="utf-8"?>
+<a:theme xmlns:a="http://schemas.openxmlformats.org/drawingml/2006/main" name="Office Theme">
+  <a:themeElements>
+    <a:clrScheme name="Office">
+      <a:dk1>
+        <a:sysClr val="windowText" lastClr="000000"/>
+      </a:dk1>
+      <a:lt1>
+        <a:sysClr val="window" lastClr="FFFFFF"/>
+      </a:lt1>
+      <a:dk2>
+        <a:srgbClr val="0E2841"/>
+      </a:dk2>
+      <a:lt2>
+        <a:srgbClr val="E8E8E8"/>
+      </a:lt2>
+      <a:accent1>
+        <a:srgbClr val="156082"/>
+      </a:accent1>
+      <a:accent2>
+        <a:srgbClr val="E97132"/>
+      </a:accent2>
+      <a:accent3>
+        <a:srgbClr val="196B24"/>
+      </a:accent3>
+      <a:accent4>
+        <a:srgbClr val="0F9ED5"/>
+      </a:accent4>
+      <a:accent5>
+        <a:srgbClr val="A02B93"/>
+      </a:accent5>
+      <a:accent6>
+        <a:srgbClr val="4EA72E"/>
+      </a:accent6>
+      <a:hlink>
+        <a:srgbClr val="467886"/>
+      </a:hlink>
+      <a:folHlink>
+        <a:srgbClr val="96607D"/>
+      </a:folHlink>
+    </a:clrScheme>
+    <a:fontScheme name="Office">
+      <a:majorFont>
+        <a:latin typeface="Aptos Display" panose="02110004020202020204"/>
+        <a:ea typeface=""/>
+        <a:cs typeface=""/>
+        <a:font script="Jpan" typeface="游ゴシック Light"/>
+        <a:font script="Hang" typeface="맑은 고딕"/>
+        <a:font script="Hans" typeface="等线 Light"/>
+        <a:font script="Hant" typeface="新細明體"/>
+        <a:font script="Arab" typeface="Times New Roman"/>
+        <a:font script="Hebr" typeface="Times New Roman"/>
+        <a:font script="Thai" typeface="Angsana New"/>
+        <a:font script="Ethi" typeface="Nyala"/>
+        <a:font script="Beng" typeface="Vrinda"/>
+        <a:font script="Gujr" typeface="Shruti"/>
+        <a:font script="Khmr" typeface="MoolBoran"/>
+        <a:font script="Knda" typeface="Tunga"/>
+        <a:font script="Guru" typeface="Raavi"/>
+        <a:font script="Cans" typeface="Euphemia"/>
+        <a:font script="Cher" typeface="Plantagenet Cherokee"/>
+        <a:font script="Yiii" typeface="Microsoft Yi Baiti"/>
+        <a:font script="Tibt" typeface="Microsoft Himalaya"/>
+        <a:font script="Thaa" typeface="MV Boli"/>
+        <a:font script="Deva" typeface="Mangal"/>
+        <a:font script="Telu" typeface="Gautami"/>
+        <a:font script="Taml" typeface="Latha"/>
+        <a:font script="Syrc" typeface="Estrangelo Edessa"/>
+        <a:font script="Orya" typeface="Kalinga"/>
+        <a:font script="Mlym" typeface="Kartika"/>
+        <a:font script="Laoo" typeface="DokChampa"/>
+        <a:font script="Sinh" typeface="Iskoola Pota"/>
+        <a:font script="Mong" typeface="Mongolian Baiti"/>
+        <a:font script="Viet" typeface="Times New Roman"/>
+        <a:font script="Uigh" typeface="Microsoft Uighur"/>
+        <a:font script="Geor" typeface="Sylfaen"/>
+        <a:font script="Armn" typeface="Arial"/>
+        <a:font script="Bugi" typeface="Leelawadee UI"/>
+        <a:font script="Bopo" typeface="Microsoft JhengHei"/>
+        <a:font script="Java" typeface="Javanese Text"/>
+        <a:font script="Lisu" typeface="Segoe UI"/>
+        <a:font script="Mymr" typeface="Myanmar Text"/>
+        <a:font script="Nkoo" typeface="Ebrima"/>
+        <a:font script="Olck" typeface="Nirmala UI"/>
+        <a:font script="Osma" typeface="Ebrima"/>
+        <a:font script="Phag" typeface="Phagspa"/>
+        <a:font script="Syrn" typeface="Estrangelo Edessa"/>
+        <a:font script="Syrj" typeface="Estrangelo Edessa"/>
+        <a:font script="Syre" typeface="Estrangelo Edessa"/>
+        <a:font script="Sora" typeface="Nirmala UI"/>
+        <a:font script="Tale" typeface="Microsoft Tai Le"/>
+        <a:font script="Talu" typeface="Microsoft New Tai Lue"/>
+        <a:font script="Tfng" typeface="Ebrima"/>
+      </a:majorFont>
+      <a:minorFont>
+        <a:latin typeface="Aptos" panose="02110004020202020204"/>
+        <a:ea typeface=""/>
+        <a:cs typeface=""/>
+        <a:font script="Jpan" typeface="游ゴシック"/>
+        <a:font script="Hang" typeface="맑은 고딕"/>
+        <a:font script="Hans" typeface="等线"/>
+        <a:font script="Hant" typeface="新細明體"/>
+        <a:font script="Arab" typeface="Arial"/>
+        <a:font script="Hebr" typeface="Arial"/>
+        <a:font script="Thai" typeface="Cordia New"/>
+        <a:font script="Ethi" typeface="Nyala"/>
+        <a:font script="Beng" typeface="Vrinda"/>
+        <a:font script="Gujr" typeface="Shruti"/>
+        <a:font script="Khmr" typeface="DaunPenh"/>
+        <a:font script="Knda" typeface="Tunga"/>
+        <a:font script="Guru" typeface="Raavi"/>
+        <a:font script="Cans" typeface="Euphemia"/>
+        <a:font script="Cher" typeface="Plantagenet Cherokee"/>
+        <a:font script="Yiii" typeface="Microsoft Yi Baiti"/>
+        <a:font script="Tibt" typeface="Microsoft Himalaya"/>
+        <a:font script="Thaa" typeface="MV Boli"/>
+        <a:font script="Deva" typeface="Mangal"/>
+        <a:font script="Telu" typeface="Gautami"/>
+        <a:font script="Taml" typeface="Latha"/>
+        <a:font script="Syrc" typeface="Estrangelo Edessa"/>
+        <a:font script="Orya" typeface="Kalinga"/>
+        <a:font script="Mlym" typeface="Kartika"/>
+        <a:font script="Laoo" typeface="DokChampa"/>
+        <a:font script="Sinh" typeface="Iskoola Pota"/>
+        <a:font script="Mong" typeface="Mongolian Baiti"/>
+        <a:font script="Viet" typeface="Arial"/>
+        <a:font script="Uigh" typeface="Microsoft Uighur"/>
+        <a:font script="Geor" typeface="Sylfaen"/>
+        <a:font script="Armn" typeface="Arial"/>
+        <a:font script="Bugi" typeface="Leelawadee UI"/>
+        <a:font script="Bopo" typeface="Microsoft JhengHei"/>
+        <a:font script="Java" typeface="Javanese Text"/>
+        <a:font script="Lisu" typeface="Segoe UI"/>
+        <a:font script="Mymr" typeface="Myanmar Text"/>
+        <a:font script="Nkoo" typeface="Ebrima"/>
+        <a:font script="Olck" typeface="Nirmala UI"/>
+        <a:font script="Osma" typeface="Ebrima"/>
+        <a:font script="Phag" typeface="Phagspa"/>
+        <a:font script="Syrn" typeface="Estrangelo Edessa"/>
+        <a:font script="Syrj" typeface="Estrangelo Edessa"/>
+        <a:font script="Syre" typeface="Estrangelo Edessa"/>
+        <a:font script="Sora" typeface="Nirmala UI"/>
+        <a:font script="Tale" typeface="Microsoft Tai Le"/>
+        <a:font script="Talu" typeface="Microsoft New Tai Lue"/>
+        <a:font script="Tfng" typeface="Ebrima"/>
+      </a:minorFont>
+    </a:fontScheme>
+    <a:fmtScheme name="Office">
+      <a:fillStyleLst>
+        <a:solidFill>
+          <a:schemeClr val="phClr"/>
+        </a:solidFill>
+        <a:gradFill rotWithShape="1">
+          <a:gsLst>
+            <a:gs pos="0">
+              <a:schemeClr val="phClr">
+                <a:lumMod val="110000"/>
+                <a:satMod val="105000"/>
+                <a:tint val="67000"/>
+              </a:schemeClr>
+            </a:gs>
+            <a:gs pos="50000">
+              <a:schemeClr val="phClr">
+                <a:lumMod val="105000"/>
+                <a:satMod val="103000"/>
+                <a:tint val="73000"/>
+              </a:schemeClr>
+            </a:gs>
+            <a:gs pos="100000">
+              <a:schemeClr val="phClr">
+                <a:lumMod val="105000"/>
+                <a:satMod val="109000"/>
+                <a:tint val="81000"/>
+              </a:schemeClr>
+            </a:gs>
+          </a:gsLst>
+          <a:lin ang="5400000" scaled="0"/>
+        </a:gradFill>
+        <a:gradFill rotWithShape="1">
+          <a:gsLst>
+            <a:gs pos="0">
+              <a:schemeClr val="phClr">
+                <a:satMod val="103000"/>
+                <a:lumMod val="102000"/>
+                <a:tint val="94000"/>
+              </a:schemeClr>
+            </a:gs>
+            <a:gs pos="50000">
+              <a:schemeClr val="phClr">
+                <a:satMod val="110000"/>
+                <a:lumMod val="100000"/>
+                <a:shade val="100000"/>
+              </a:schemeClr>
+            </a:gs>
+            <a:gs pos="100000">
+              <a:schemeClr val="phClr">
+                <a:lumMod val="99000"/>
+                <a:satMod val="120000"/>
+                <a:shade val="78000"/>
+              </a:schemeClr>
+            </a:gs>
+          </a:gsLst>
+          <a:lin ang="5400000" scaled="0"/>
+        </a:gradFill>
+      </a:fillStyleLst>
+      <a:lnStyleLst>
+        <a:ln w="12700" cap="flat" cmpd="sng" algn="ctr">
+          <a:solidFill>
+            <a:schemeClr val="phClr"/>
+          </a:solidFill>
+          <a:prstDash val="solid"/>
+          <a:miter lim="800000"/>
+        </a:ln>
+        <a:ln w="19050" cap="flat" cmpd="sng" algn="ctr">
+          <a:solidFill>
+            <a:schemeClr val="phClr"/>
+          </a:solidFill>
+          <a:prstDash val="solid"/>
+          <a:miter lim="800000"/>
+        </a:ln>
+        <a:ln w="25400" cap="flat" cmpd="sng" algn="ctr">
+          <a:solidFill>
+            <a:schemeClr val="phClr"/>
+          </a:solidFill>
+          <a:prstDash val="solid"/>
+          <a:miter lim="800000"/>
+        </a:ln>
+      </a:lnStyleLst>
+      <a:effectStyleLst>
+        <a:effectStyle>
+          <a:effectLst/>
+        </a:effectStyle>
+        <a:effectStyle>
+          <a:effectLst/>
+        </a:effectStyle>
+        <a:effectStyle>
+          <a:effectLst>
+            <a:outerShdw blurRad="57150" dist="19050" dir="5400000" algn="ctr" rotWithShape="0">
+              <a:srgbClr val="000000">
+                <a:alpha val="63000"/>
+              </a:srgbClr>
+            </a:outerShdw>
+          </a:effectLst>
+        </a:effectStyle>
+      </a:effectStyleLst>
+      <a:bgFillStyleLst>
+        <a:solidFill>
+          <a:schemeClr val="phClr"/>
+        </a:solidFill>
+        <a:solidFill>
+          <a:schemeClr val="phClr">
+            <a:tint val="95000"/>
+            <a:satMod val="170000"/>
+          </a:schemeClr>
+        </a:solidFill>
+        <a:gradFill rotWithShape="1">
+          <a:gsLst>
+            <a:gs pos="0">
+              <a:schemeClr val="phClr">
+                <a:tint val="93000"/>
+                <a:satMod val="150000"/>
+                <a:shade val="98000"/>
+                <a:lumMod val="102000"/>
+              </a:schemeClr>
+            </a:gs>
+            <a:gs pos="50000">
+              <a:schemeClr val="phClr">
+                <a:tint val="98000"/>
+                <a:satMod val="130000"/>
+                <a:shade val="90000"/>
+                <a:lumMod val="103000"/>
+              </a:schemeClr>
+            </a:gs>
+            <a:gs pos="100000">
+              <a:schemeClr val="phClr">
+                <a:shade val="63000"/>
+                <a:satMod val="120000"/>
+              </a:schemeClr>
+            </a:gs>
+          </a:gsLst>
+          <a:lin ang="5400000" scaled="0"/>
+        </a:gradFill>
+      </a:bgFillStyleLst>
+    </a:fmtScheme>
+  </a:themeElements>
+  <a:objectDefaults>
+    <a:lnDef>
+      <a:spPr/>
+      <a:bodyPr/>
+      <a:lstStyle/>
+      <a:style>
+        <a:lnRef idx="2">
+          <a:schemeClr val="accent1"/>
+        </a:lnRef>
+        <a:fillRef idx="0">
+          <a:schemeClr val="accent1"/>
+        </a:fillRef>
+        <a:effectRef idx="1">
+          <a:schemeClr val="accent1"/>
+        </a:effectRef>
+        <a:fontRef idx="minor">
+          <a:schemeClr val="tx1"/>
+        </a:fontRef>
+      </a:style>
+    </a:lnDef>
+  </a:objectDefaults>
+  <a:extraClrSchemeLst/>
+  <a:extLst>
+    <a:ext uri="{05A4C25C-085E-4340-85A3-A5531E510DB2}">
+      <thm15:themeFamily xmlns:thm15="http://schemas.microsoft.com/office/thememl/2012/main" name="Office Theme" id="{2E142A2C-CD16-42D6-873A-C26D2A0506FA}" vid="{1BDDFF52-6CD6-40A5-AB3C-68EB2F1E4D0A}"/>
+    </a:ext>
+  </a:extLst>
+</a:theme>
 </file>